--- a/final2.pptx
+++ b/final2.pptx
@@ -1503,8 +1503,8 @@
         </p:nvSpPr>
         <p:spPr>
           <a:xfrm>
-            <a:off x="839786" y="2057400"/>
-            <a:ext cx="3932241" cy="3811588"/>
+            <a:off x="839787" y="2057400"/>
+            <a:ext cx="3932240" cy="3811588"/>
           </a:xfrm>
           <a:prstGeom prst="rect">
             <a:avLst/>
@@ -2791,8 +2791,8 @@
         </p:nvSpPr>
         <p:spPr>
           <a:xfrm>
-            <a:off x="11164902" y="6404292"/>
-            <a:ext cx="188896" cy="269239"/>
+            <a:off x="11164901" y="6404291"/>
+            <a:ext cx="188897" cy="269239"/>
           </a:xfrm>
           <a:prstGeom prst="rect">
             <a:avLst/>
@@ -2847,10 +2847,6 @@
           </p:nvPr>
         </p:nvSpPr>
         <p:spPr>
-          <a:xfrm>
-            <a:off x="838200" y="365125"/>
-            <a:ext cx="10515600" cy="1325563"/>
-          </a:xfrm>
           <a:prstGeom prst="rect">
             <a:avLst/>
           </a:prstGeom>
@@ -2876,8 +2872,8 @@
         </p:nvSpPr>
         <p:spPr>
           <a:xfrm>
-            <a:off x="838200" y="1825623"/>
-            <a:ext cx="6149036" cy="5032378"/>
+            <a:off x="838200" y="1825624"/>
+            <a:ext cx="6149036" cy="5032377"/>
           </a:xfrm>
           <a:prstGeom prst="rect">
             <a:avLst/>
@@ -3813,7 +3809,7 @@
           <p:spPr>
             <a:xfrm>
               <a:off x="2868016" y="-1"/>
-              <a:ext cx="1182964" cy="976684"/>
+              <a:ext cx="1182963" cy="976684"/>
             </a:xfrm>
             <a:prstGeom prst="rect">
               <a:avLst/>
@@ -3836,7 +3832,7 @@
         </p:nvSpPr>
         <p:spPr>
           <a:xfrm>
-            <a:off x="11080143" y="6404292"/>
+            <a:off x="11080143" y="6404291"/>
             <a:ext cx="273655" cy="269239"/>
           </a:xfrm>
           <a:prstGeom prst="rect">
@@ -3981,10 +3977,6 @@
           </p:nvPr>
         </p:nvSpPr>
         <p:spPr>
-          <a:xfrm>
-            <a:off x="838200" y="365125"/>
-            <a:ext cx="10515600" cy="1325563"/>
-          </a:xfrm>
           <a:prstGeom prst="rect">
             <a:avLst/>
           </a:prstGeom>
@@ -4009,10 +4001,6 @@
           </p:nvPr>
         </p:nvSpPr>
         <p:spPr>
-          <a:xfrm>
-            <a:off x="838200" y="1825625"/>
-            <a:ext cx="10515600" cy="4351338"/>
-          </a:xfrm>
           <a:prstGeom prst="rect">
             <a:avLst/>
           </a:prstGeom>
@@ -4056,8 +4044,8 @@
         </p:nvSpPr>
         <p:spPr>
           <a:xfrm>
-            <a:off x="11091381" y="6404292"/>
-            <a:ext cx="262417" cy="269239"/>
+            <a:off x="11091380" y="6404291"/>
+            <a:ext cx="262418" cy="269239"/>
           </a:xfrm>
           <a:prstGeom prst="rect">
             <a:avLst/>
@@ -4112,10 +4100,6 @@
           </p:nvPr>
         </p:nvSpPr>
         <p:spPr>
-          <a:xfrm>
-            <a:off x="838200" y="365125"/>
-            <a:ext cx="10515600" cy="1325563"/>
-          </a:xfrm>
           <a:prstGeom prst="rect">
             <a:avLst/>
           </a:prstGeom>
@@ -4140,10 +4124,6 @@
           </p:nvPr>
         </p:nvSpPr>
         <p:spPr>
-          <a:xfrm>
-            <a:off x="838200" y="1825625"/>
-            <a:ext cx="10515600" cy="4351338"/>
-          </a:xfrm>
           <a:prstGeom prst="rect">
             <a:avLst/>
           </a:prstGeom>
@@ -4155,6 +4135,12 @@
             <a:pPr marL="514350" indent="-514350">
               <a:buFontTx/>
               <a:buAutoNum type="arabicPeriod" startAt="1"/>
+              <a:defRPr>
+                <a:latin typeface="+mj-lt"/>
+                <a:ea typeface="+mj-ea"/>
+                <a:cs typeface="+mj-cs"/>
+                <a:sym typeface="Helvetica"/>
+              </a:defRPr>
             </a:pPr>
             <a:r>
               <a:t>for segment in segments:</a:t>
@@ -4167,7 +4153,12 @@
               </a:spcBef>
               <a:buFontTx/>
               <a:buAutoNum type="arabicPeriod" startAt="1"/>
-              <a:defRPr sz="2400"/>
+              <a:defRPr sz="2400">
+                <a:latin typeface="+mj-lt"/>
+                <a:ea typeface="+mj-ea"/>
+                <a:cs typeface="+mj-cs"/>
+                <a:sym typeface="Helvetica"/>
+              </a:defRPr>
             </a:pPr>
             <a:r>
               <a:t>Find the straight line which cross segment with 90 degree</a:t>
@@ -4180,7 +4171,12 @@
               </a:spcBef>
               <a:buFontTx/>
               <a:buAutoNum type="arabicPeriod" startAt="1"/>
-              <a:defRPr sz="2400"/>
+              <a:defRPr sz="2400">
+                <a:latin typeface="+mj-lt"/>
+                <a:ea typeface="+mj-ea"/>
+                <a:cs typeface="+mj-cs"/>
+                <a:sym typeface="Helvetica"/>
+              </a:defRPr>
             </a:pPr>
             <a:r>
               <a:t>Find the intersection of the straight line and segment</a:t>
@@ -4193,7 +4189,12 @@
               </a:spcBef>
               <a:buFontTx/>
               <a:buAutoNum type="arabicPeriod" startAt="1"/>
-              <a:defRPr sz="2400"/>
+              <a:defRPr sz="2400">
+                <a:latin typeface="+mj-lt"/>
+                <a:ea typeface="+mj-ea"/>
+                <a:cs typeface="+mj-cs"/>
+                <a:sym typeface="Helvetica"/>
+              </a:defRPr>
             </a:pPr>
             <a:r>
               <a:t>if the intersection is not on segment, update intersection to closer point between start point and end point of segment</a:t>
@@ -4206,7 +4207,12 @@
               </a:spcBef>
               <a:buFontTx/>
               <a:buAutoNum type="arabicPeriod" startAt="1"/>
-              <a:defRPr sz="2400"/>
+              <a:defRPr sz="2400">
+                <a:latin typeface="+mj-lt"/>
+                <a:ea typeface="+mj-ea"/>
+                <a:cs typeface="+mj-cs"/>
+                <a:sym typeface="Helvetica"/>
+              </a:defRPr>
             </a:pPr>
             <a:r>
               <a:t>append the intersection to intersections list</a:t>
@@ -4216,6 +4222,12 @@
             <a:pPr marL="457200" indent="-457200">
               <a:buFontTx/>
               <a:buAutoNum type="arabicPeriod" startAt="1"/>
+              <a:defRPr>
+                <a:latin typeface="+mj-lt"/>
+                <a:ea typeface="+mj-ea"/>
+                <a:cs typeface="+mj-cs"/>
+                <a:sym typeface="Helvetica"/>
+              </a:defRPr>
             </a:pPr>
             <a:r>
               <a:t>Find the point which has the minimum distance in intersections list</a:t>
@@ -4225,6 +4237,12 @@
             <a:pPr marL="457200" indent="-457200">
               <a:buFontTx/>
               <a:buAutoNum type="arabicPeriod" startAt="1"/>
+              <a:defRPr>
+                <a:latin typeface="+mj-lt"/>
+                <a:ea typeface="+mj-ea"/>
+                <a:cs typeface="+mj-cs"/>
+                <a:sym typeface="Helvetica"/>
+              </a:defRPr>
             </a:pPr>
             <a:r>
               <a:t>Add the intersection and segment to the network</a:t>
@@ -4242,7 +4260,7 @@
         </p:nvSpPr>
         <p:spPr>
           <a:xfrm>
-            <a:off x="11080143" y="6404292"/>
+            <a:off x="11080143" y="6404291"/>
             <a:ext cx="273655" cy="269239"/>
           </a:xfrm>
           <a:prstGeom prst="rect">
@@ -4298,10 +4316,6 @@
           </p:nvPr>
         </p:nvSpPr>
         <p:spPr>
-          <a:xfrm>
-            <a:off x="838200" y="365125"/>
-            <a:ext cx="10515600" cy="1325563"/>
-          </a:xfrm>
           <a:prstGeom prst="rect">
             <a:avLst/>
           </a:prstGeom>
@@ -4326,10 +4340,6 @@
           </p:nvPr>
         </p:nvSpPr>
         <p:spPr>
-          <a:xfrm>
-            <a:off x="838200" y="1825625"/>
-            <a:ext cx="10515600" cy="4351338"/>
-          </a:xfrm>
           <a:prstGeom prst="rect">
             <a:avLst/>
           </a:prstGeom>
@@ -4338,7 +4348,109 @@
           <a:bodyPr/>
           <a:lstStyle/>
           <a:p>
-            <a:pPr/>
+            <a:pPr marL="374315" indent="-374315">
+              <a:buFontTx/>
+              <a:buAutoNum type="arabicPeriod" startAt="1"/>
+              <a:defRPr>
+                <a:latin typeface="Helvetica Neue"/>
+                <a:ea typeface="Helvetica Neue"/>
+                <a:cs typeface="Helvetica Neue"/>
+                <a:sym typeface="Helvetica Neue"/>
+              </a:defRPr>
+            </a:pPr>
+            <a:r>
+              <a:t>For point in points</a:t>
+            </a:r>
+          </a:p>
+          <a:p>
+            <a:pPr lvl="1" marL="882315" indent="-374315">
+              <a:buFontTx/>
+              <a:buAutoNum type="arabicPeriod" startAt="1"/>
+              <a:defRPr sz="2400">
+                <a:latin typeface="Helvetica Neue"/>
+                <a:ea typeface="Helvetica Neue"/>
+                <a:cs typeface="Helvetica Neue"/>
+                <a:sym typeface="Helvetica Neue"/>
+              </a:defRPr>
+            </a:pPr>
+            <a:r>
+              <a:t>Get the all segments value</a:t>
+            </a:r>
+          </a:p>
+          <a:p>
+            <a:pPr lvl="1" marL="882315" indent="-374315">
+              <a:buFontTx/>
+              <a:buAutoNum type="arabicPeriod" startAt="1"/>
+              <a:defRPr sz="2400">
+                <a:latin typeface="Helvetica Neue"/>
+                <a:ea typeface="Helvetica Neue"/>
+                <a:cs typeface="Helvetica Neue"/>
+                <a:sym typeface="Helvetica Neue"/>
+              </a:defRPr>
+            </a:pPr>
+            <a:r>
+              <a:t>Decide start point and end point, run SEARCH_ROOT</a:t>
+            </a:r>
+          </a:p>
+          <a:p>
+            <a:pPr lvl="1" marL="882315" indent="-374315">
+              <a:buFontTx/>
+              <a:buAutoNum type="arabicPeriod" startAt="1"/>
+              <a:defRPr sz="2400">
+                <a:latin typeface="Helvetica Neue"/>
+                <a:ea typeface="Helvetica Neue"/>
+                <a:cs typeface="Helvetica Neue"/>
+                <a:sym typeface="Helvetica Neue"/>
+              </a:defRPr>
+            </a:pPr>
+            <a:r>
+              <a:t>Unconnected point is appended to list.</a:t>
+            </a:r>
+          </a:p>
+          <a:p>
+            <a:pPr marL="374315" indent="-374315">
+              <a:buFontTx/>
+              <a:buAutoNum type="arabicPeriod" startAt="1"/>
+              <a:defRPr>
+                <a:latin typeface="Helvetica Neue"/>
+                <a:ea typeface="Helvetica Neue"/>
+                <a:cs typeface="Helvetica Neue"/>
+                <a:sym typeface="Helvetica Neue"/>
+              </a:defRPr>
+            </a:pPr>
+            <a:r>
+              <a:t>Recursive self function(argument is that list and main road list)</a:t>
+            </a:r>
+          </a:p>
+          <a:p>
+            <a:pPr lvl="1" marL="882315" indent="-374315">
+              <a:buFontTx/>
+              <a:buAutoNum type="arabicPeriod" startAt="1"/>
+              <a:defRPr sz="2400">
+                <a:latin typeface="Helvetica Neue"/>
+                <a:ea typeface="Helvetica Neue"/>
+                <a:cs typeface="Helvetica Neue"/>
+                <a:sym typeface="Helvetica Neue"/>
+              </a:defRPr>
+            </a:pPr>
+            <a:r>
+              <a:t>It is continued when that list is void</a:t>
+            </a:r>
+          </a:p>
+          <a:p>
+            <a:pPr marL="374315" indent="-374315">
+              <a:buFontTx/>
+              <a:buAutoNum type="arabicPeriod" startAt="1"/>
+              <a:defRPr>
+                <a:latin typeface="Helvetica Neue"/>
+                <a:ea typeface="Helvetica Neue"/>
+                <a:cs typeface="Helvetica Neue"/>
+                <a:sym typeface="Helvetica Neue"/>
+              </a:defRPr>
+            </a:pPr>
+            <a:r>
+              <a:t>Return main road list</a:t>
+            </a:r>
           </a:p>
         </p:txBody>
       </p:sp>
@@ -4352,7 +4464,7 @@
         </p:nvSpPr>
         <p:spPr>
           <a:xfrm>
-            <a:off x="11080143" y="6404292"/>
+            <a:off x="11080143" y="6404291"/>
             <a:ext cx="273655" cy="269239"/>
           </a:xfrm>
           <a:prstGeom prst="rect">
@@ -4408,10 +4520,6 @@
           </p:nvPr>
         </p:nvSpPr>
         <p:spPr>
-          <a:xfrm>
-            <a:off x="838200" y="365125"/>
-            <a:ext cx="10515600" cy="1325563"/>
-          </a:xfrm>
           <a:prstGeom prst="rect">
             <a:avLst/>
           </a:prstGeom>
@@ -4695,7 +4803,7 @@
         </p:nvSpPr>
         <p:spPr>
           <a:xfrm>
-            <a:off x="11080143" y="6404292"/>
+            <a:off x="11080143" y="6404291"/>
             <a:ext cx="273655" cy="269239"/>
           </a:xfrm>
           <a:prstGeom prst="rect">
@@ -4751,10 +4859,6 @@
           </p:nvPr>
         </p:nvSpPr>
         <p:spPr>
-          <a:xfrm>
-            <a:off x="838200" y="365125"/>
-            <a:ext cx="10515600" cy="1325563"/>
-          </a:xfrm>
           <a:prstGeom prst="rect">
             <a:avLst/>
           </a:prstGeom>
@@ -4913,7 +5017,7 @@
         </p:nvSpPr>
         <p:spPr>
           <a:xfrm>
-            <a:off x="11080143" y="6404292"/>
+            <a:off x="11080143" y="6404291"/>
             <a:ext cx="273655" cy="269239"/>
           </a:xfrm>
           <a:prstGeom prst="rect">
@@ -4969,10 +5073,6 @@
           </p:nvPr>
         </p:nvSpPr>
         <p:spPr>
-          <a:xfrm>
-            <a:off x="838200" y="365125"/>
-            <a:ext cx="10515600" cy="1325563"/>
-          </a:xfrm>
           <a:prstGeom prst="rect">
             <a:avLst/>
           </a:prstGeom>
@@ -4997,10 +5097,6 @@
           </p:nvPr>
         </p:nvSpPr>
         <p:spPr>
-          <a:xfrm>
-            <a:off x="838200" y="1825625"/>
-            <a:ext cx="10515600" cy="4351338"/>
-          </a:xfrm>
           <a:prstGeom prst="rect">
             <a:avLst/>
           </a:prstGeom>
@@ -5035,7 +5131,7 @@
         </p:nvSpPr>
         <p:spPr>
           <a:xfrm>
-            <a:off x="11080143" y="6404292"/>
+            <a:off x="11080143" y="6404291"/>
             <a:ext cx="273655" cy="269239"/>
           </a:xfrm>
           <a:prstGeom prst="rect">
@@ -5091,10 +5187,6 @@
           </p:nvPr>
         </p:nvSpPr>
         <p:spPr>
-          <a:xfrm>
-            <a:off x="838200" y="365125"/>
-            <a:ext cx="10515600" cy="1325563"/>
-          </a:xfrm>
           <a:prstGeom prst="rect">
             <a:avLst/>
           </a:prstGeom>
@@ -5311,7 +5403,7 @@
         </p:nvSpPr>
         <p:spPr>
           <a:xfrm>
-            <a:off x="11080143" y="6404292"/>
+            <a:off x="11080143" y="6404291"/>
             <a:ext cx="273655" cy="269239"/>
           </a:xfrm>
           <a:prstGeom prst="rect">
@@ -5367,10 +5459,6 @@
           </p:nvPr>
         </p:nvSpPr>
         <p:spPr>
-          <a:xfrm>
-            <a:off x="838200" y="365125"/>
-            <a:ext cx="10515600" cy="1325563"/>
-          </a:xfrm>
           <a:prstGeom prst="rect">
             <a:avLst/>
           </a:prstGeom>
@@ -5395,10 +5483,6 @@
           </p:nvPr>
         </p:nvSpPr>
         <p:spPr>
-          <a:xfrm>
-            <a:off x="838200" y="1825625"/>
-            <a:ext cx="10515600" cy="4351338"/>
-          </a:xfrm>
           <a:prstGeom prst="rect">
             <a:avLst/>
           </a:prstGeom>
@@ -5472,7 +5556,7 @@
         </p:nvSpPr>
         <p:spPr>
           <a:xfrm>
-            <a:off x="11080143" y="6404292"/>
+            <a:off x="11080143" y="6404291"/>
             <a:ext cx="273655" cy="269239"/>
           </a:xfrm>
           <a:prstGeom prst="rect">
@@ -5563,7 +5647,7 @@
         </p:nvSpPr>
         <p:spPr>
           <a:xfrm>
-            <a:off x="11080143" y="6404292"/>
+            <a:off x="11080143" y="6404291"/>
             <a:ext cx="273655" cy="269239"/>
           </a:xfrm>
           <a:prstGeom prst="rect">
@@ -5648,8 +5732,8 @@
         </p:nvSpPr>
         <p:spPr>
           <a:xfrm>
-            <a:off x="11164902" y="6404292"/>
-            <a:ext cx="188896" cy="269239"/>
+            <a:off x="11164901" y="6404291"/>
+            <a:ext cx="188897" cy="269239"/>
           </a:xfrm>
           <a:prstGeom prst="rect">
             <a:avLst/>
@@ -5705,8 +5789,8 @@
         </p:nvSpPr>
         <p:spPr>
           <a:xfrm>
-            <a:off x="838200" y="365124"/>
-            <a:ext cx="10515600" cy="1613235"/>
+            <a:off x="838200" y="365125"/>
+            <a:ext cx="10515600" cy="1613234"/>
           </a:xfrm>
           <a:prstGeom prst="rect">
             <a:avLst/>
@@ -5737,8 +5821,8 @@
         </p:nvSpPr>
         <p:spPr>
           <a:xfrm>
-            <a:off x="838200" y="2194329"/>
-            <a:ext cx="10515600" cy="3982634"/>
+            <a:off x="838200" y="2194330"/>
+            <a:ext cx="10515600" cy="3982633"/>
           </a:xfrm>
           <a:prstGeom prst="rect">
             <a:avLst/>
@@ -5791,8 +5875,8 @@
         </p:nvSpPr>
         <p:spPr>
           <a:xfrm>
-            <a:off x="11164902" y="6404292"/>
-            <a:ext cx="188896" cy="269239"/>
+            <a:off x="11164901" y="6404291"/>
+            <a:ext cx="188897" cy="269239"/>
           </a:xfrm>
           <a:prstGeom prst="rect">
             <a:avLst/>
@@ -5847,10 +5931,6 @@
           </p:nvPr>
         </p:nvSpPr>
         <p:spPr>
-          <a:xfrm>
-            <a:off x="838200" y="365125"/>
-            <a:ext cx="10515600" cy="1325563"/>
-          </a:xfrm>
           <a:prstGeom prst="rect">
             <a:avLst/>
           </a:prstGeom>
@@ -5879,10 +5959,6 @@
           </p:nvPr>
         </p:nvSpPr>
         <p:spPr>
-          <a:xfrm>
-            <a:off x="838200" y="1825625"/>
-            <a:ext cx="10515600" cy="4351338"/>
-          </a:xfrm>
           <a:prstGeom prst="rect">
             <a:avLst/>
           </a:prstGeom>
@@ -5911,7 +5987,7 @@
           <a:p>
             <a:pPr/>
             <a:r>
-              <a:t>Librarys: matplotlib(for visualizing), venv(for using virtual environment)</a:t>
+              <a:t>Libraries: matplotlib(for visualizing), venv(for using virtual environment)</a:t>
             </a:r>
           </a:p>
           <a:p>
@@ -5929,7 +6005,7 @@
           <a:p>
             <a:pPr/>
             <a:r>
-              <a:t>There are few restrictioins ➜Focus on imprement algorithms</a:t>
+              <a:t>There are few restrictions ➜Focus on implement algorithms</a:t>
             </a:r>
           </a:p>
         </p:txBody>
@@ -5944,8 +6020,8 @@
         </p:nvSpPr>
         <p:spPr>
           <a:xfrm>
-            <a:off x="11164902" y="6404292"/>
-            <a:ext cx="188896" cy="269239"/>
+            <a:off x="11164901" y="6404291"/>
+            <a:ext cx="188897" cy="269239"/>
           </a:xfrm>
           <a:prstGeom prst="rect">
             <a:avLst/>
@@ -6000,10 +6076,6 @@
           </p:nvPr>
         </p:nvSpPr>
         <p:spPr>
-          <a:xfrm>
-            <a:off x="838200" y="365125"/>
-            <a:ext cx="10515600" cy="1325563"/>
-          </a:xfrm>
           <a:prstGeom prst="rect">
             <a:avLst/>
           </a:prstGeom>
@@ -6028,10 +6100,6 @@
           </p:nvPr>
         </p:nvSpPr>
         <p:spPr>
-          <a:xfrm>
-            <a:off x="838200" y="1825625"/>
-            <a:ext cx="10515600" cy="4351338"/>
-          </a:xfrm>
           <a:prstGeom prst="rect">
             <a:avLst/>
           </a:prstGeom>
@@ -6045,7 +6113,7 @@
           <a:p>
             <a:pPr/>
             <a:r>
-              <a:t>The system constructs “roots network” and searchs root any point to any point or adds some points to network efficiently.</a:t>
+              <a:t>The system constructs “roots network” and searches root any point to any point or adds some points to network efficiently.</a:t>
             </a:r>
           </a:p>
           <a:p>
@@ -6072,8 +6140,8 @@
         </p:nvSpPr>
         <p:spPr>
           <a:xfrm>
-            <a:off x="11164902" y="6404292"/>
-            <a:ext cx="188896" cy="269239"/>
+            <a:off x="11164901" y="6404291"/>
+            <a:ext cx="188897" cy="269239"/>
           </a:xfrm>
           <a:prstGeom prst="rect">
             <a:avLst/>
@@ -6128,10 +6196,6 @@
           </p:nvPr>
         </p:nvSpPr>
         <p:spPr>
-          <a:xfrm>
-            <a:off x="838200" y="365125"/>
-            <a:ext cx="10515600" cy="1325563"/>
-          </a:xfrm>
           <a:prstGeom prst="rect">
             <a:avLst/>
           </a:prstGeom>
@@ -6248,8 +6312,8 @@
         </p:nvSpPr>
         <p:spPr>
           <a:xfrm>
-            <a:off x="11164902" y="6404292"/>
-            <a:ext cx="188896" cy="269239"/>
+            <a:off x="11164901" y="6404291"/>
+            <a:ext cx="188897" cy="269239"/>
           </a:xfrm>
           <a:prstGeom prst="rect">
             <a:avLst/>
@@ -6304,10 +6368,6 @@
           </p:nvPr>
         </p:nvSpPr>
         <p:spPr>
-          <a:xfrm>
-            <a:off x="838200" y="365125"/>
-            <a:ext cx="10515600" cy="1325563"/>
-          </a:xfrm>
           <a:prstGeom prst="rect">
             <a:avLst/>
           </a:prstGeom>
@@ -6362,8 +6422,8 @@
         </p:nvSpPr>
         <p:spPr>
           <a:xfrm>
-            <a:off x="11164902" y="6404292"/>
-            <a:ext cx="188896" cy="269239"/>
+            <a:off x="11164901" y="6404291"/>
+            <a:ext cx="188897" cy="269239"/>
           </a:xfrm>
           <a:prstGeom prst="rect">
             <a:avLst/>
@@ -6418,10 +6478,6 @@
           </p:nvPr>
         </p:nvSpPr>
         <p:spPr>
-          <a:xfrm>
-            <a:off x="838200" y="365125"/>
-            <a:ext cx="10515600" cy="1325563"/>
-          </a:xfrm>
           <a:prstGeom prst="rect">
             <a:avLst/>
           </a:prstGeom>
@@ -6446,10 +6502,6 @@
           </p:nvPr>
         </p:nvSpPr>
         <p:spPr>
-          <a:xfrm>
-            <a:off x="838200" y="1825625"/>
-            <a:ext cx="10515600" cy="4351338"/>
-          </a:xfrm>
           <a:prstGeom prst="rect">
             <a:avLst/>
           </a:prstGeom>
@@ -6481,8 +6533,8 @@
         </p:nvSpPr>
         <p:spPr>
           <a:xfrm>
-            <a:off x="11164902" y="6404292"/>
-            <a:ext cx="188896" cy="269239"/>
+            <a:off x="11164901" y="6404291"/>
+            <a:ext cx="188897" cy="269239"/>
           </a:xfrm>
           <a:prstGeom prst="rect">
             <a:avLst/>
@@ -6537,10 +6589,6 @@
           </p:nvPr>
         </p:nvSpPr>
         <p:spPr>
-          <a:xfrm>
-            <a:off x="838200" y="365125"/>
-            <a:ext cx="10515600" cy="1325563"/>
-          </a:xfrm>
           <a:prstGeom prst="rect">
             <a:avLst/>
           </a:prstGeom>
@@ -6565,10 +6613,6 @@
           </p:nvPr>
         </p:nvSpPr>
         <p:spPr>
-          <a:xfrm>
-            <a:off x="838200" y="1825625"/>
-            <a:ext cx="10515600" cy="4351338"/>
-          </a:xfrm>
           <a:prstGeom prst="rect">
             <a:avLst/>
           </a:prstGeom>
@@ -6654,8 +6698,8 @@
         </p:nvSpPr>
         <p:spPr>
           <a:xfrm>
-            <a:off x="11164902" y="6404292"/>
-            <a:ext cx="188896" cy="269239"/>
+            <a:off x="11164901" y="6404291"/>
+            <a:ext cx="188897" cy="269239"/>
           </a:xfrm>
           <a:prstGeom prst="rect">
             <a:avLst/>
